--- a/lesson01.pptx
+++ b/lesson01.pptx
@@ -3753,6 +3753,127 @@
           <a:chExt cx="0" cy="0"/>
         </a:xfrm>
       </p:grpSpPr>
+      <p:sp>
+        <p:nvSpPr>
+          <p:cNvPr id="2" name="Прямоугольник 1"/>
+          <p:cNvSpPr/>
+          <p:nvPr/>
+        </p:nvSpPr>
+        <p:spPr>
+          <a:xfrm>
+            <a:off x="-1" y="497626"/>
+            <a:ext cx="12192001" cy="923330"/>
+          </a:xfrm>
+          <a:prstGeom prst="rect">
+            <a:avLst/>
+          </a:prstGeom>
+        </p:spPr>
+        <p:txBody>
+          <a:bodyPr wrap="square">
+            <a:spAutoFit/>
+          </a:bodyPr>
+          <a:lstStyle/>
+          <a:p>
+            <a:pPr algn="ctr" fontAlgn="base"/>
+            <a:r>
+              <a:rPr lang="en-US" sz="5400" b="1" dirty="0">
+                <a:solidFill>
+                  <a:schemeClr val="bg1"/>
+                </a:solidFill>
+              </a:rPr>
+              <a:t>Front end </a:t>
+            </a:r>
+            <a:r>
+              <a:rPr lang="ru-RU" sz="5400" b="1" dirty="0">
+                <a:solidFill>
+                  <a:schemeClr val="bg1"/>
+                </a:solidFill>
+              </a:rPr>
+              <a:t>разработка на </a:t>
+            </a:r>
+            <a:r>
+              <a:rPr lang="en-US" sz="5400" b="1" dirty="0" smtClean="0">
+                <a:solidFill>
+                  <a:schemeClr val="bg1"/>
+                </a:solidFill>
+              </a:rPr>
+              <a:t>JavaScript</a:t>
+            </a:r>
+            <a:endParaRPr lang="en-US" sz="5400" b="1" dirty="0">
+              <a:solidFill>
+                <a:schemeClr val="bg1"/>
+              </a:solidFill>
+            </a:endParaRPr>
+          </a:p>
+        </p:txBody>
+      </p:sp>
+      <p:sp>
+        <p:nvSpPr>
+          <p:cNvPr id="3" name="Прямоугольник 2"/>
+          <p:cNvSpPr/>
+          <p:nvPr/>
+        </p:nvSpPr>
+        <p:spPr>
+          <a:xfrm>
+            <a:off x="-2" y="5593810"/>
+            <a:ext cx="12192001" cy="584775"/>
+          </a:xfrm>
+          <a:prstGeom prst="rect">
+            <a:avLst/>
+          </a:prstGeom>
+        </p:spPr>
+        <p:txBody>
+          <a:bodyPr wrap="square">
+            <a:spAutoFit/>
+          </a:bodyPr>
+          <a:lstStyle/>
+          <a:p>
+            <a:pPr algn="ctr" fontAlgn="base"/>
+            <a:r>
+              <a:rPr lang="en-US" sz="3200" b="1" dirty="0" smtClean="0">
+                <a:solidFill>
+                  <a:schemeClr val="bg1"/>
+                </a:solidFill>
+                <a:cs typeface="Segoe UI Semibold" panose="020B0702040204020203" pitchFamily="34" charset="0"/>
+              </a:rPr>
+              <a:t>ORT</a:t>
+            </a:r>
+            <a:r>
+              <a:rPr lang="en-US" sz="3200" b="1" dirty="0" smtClean="0">
+                <a:solidFill>
+                  <a:srgbClr val="FFC000"/>
+                </a:solidFill>
+                <a:cs typeface="Segoe UI Semibold" panose="020B0702040204020203" pitchFamily="34" charset="0"/>
+              </a:rPr>
+              <a:t>DNIPRO</a:t>
+            </a:r>
+            <a:r>
+              <a:rPr lang="en-US" sz="3200" b="1" dirty="0" smtClean="0">
+                <a:solidFill>
+                  <a:schemeClr val="bg1"/>
+                </a:solidFill>
+                <a:cs typeface="Segoe UI Semibold" panose="020B0702040204020203" pitchFamily="34" charset="0"/>
+              </a:rPr>
+              <a:t>.ORG</a:t>
+            </a:r>
+            <a:r>
+              <a:rPr lang="en-US" sz="3200" b="1" dirty="0" smtClean="0">
+                <a:solidFill>
+                  <a:srgbClr val="FFC000"/>
+                </a:solidFill>
+                <a:cs typeface="Segoe UI Semibold" panose="020B0702040204020203" pitchFamily="34" charset="0"/>
+              </a:rPr>
+              <a:t>/WEB</a:t>
+            </a:r>
+            <a:endParaRPr lang="en-US" sz="3600" b="1" dirty="0">
+              <a:solidFill>
+                <a:srgbClr val="FFC000"/>
+              </a:solidFill>
+              <a:cs typeface="Segoe UI Semibold" panose="020B0702040204020203" pitchFamily="34" charset="0"/>
+            </a:endParaRPr>
+          </a:p>
+        </p:txBody>
+      </p:sp>
     </p:spTree>
     <p:extLst>
       <p:ext uri="{BB962C8B-B14F-4D97-AF65-F5344CB8AC3E}">

--- a/lesson01.pptx
+++ b/lesson01.pptx
@@ -3830,7 +3830,7 @@
           <a:p>
             <a:pPr algn="ctr" fontAlgn="base"/>
             <a:r>
-              <a:rPr lang="en-US" sz="3200" b="1" dirty="0" smtClean="0">
+              <a:rPr lang="en-US" sz="3200" b="1" smtClean="0">
                 <a:solidFill>
                   <a:schemeClr val="bg1"/>
                 </a:solidFill>
@@ -3839,7 +3839,7 @@
               <a:t>ORT</a:t>
             </a:r>
             <a:r>
-              <a:rPr lang="en-US" sz="3200" b="1" dirty="0" smtClean="0">
+              <a:rPr lang="en-US" sz="3200" b="1" smtClean="0">
                 <a:solidFill>
                   <a:srgbClr val="FFC000"/>
                 </a:solidFill>
@@ -3848,7 +3848,7 @@
               <a:t>DNIPRO</a:t>
             </a:r>
             <a:r>
-              <a:rPr lang="en-US" sz="3200" b="1" dirty="0" smtClean="0">
+              <a:rPr lang="en-US" sz="3200" b="1" smtClean="0">
                 <a:solidFill>
                   <a:schemeClr val="bg1"/>
                 </a:solidFill>
@@ -3857,13 +3857,13 @@
               <a:t>.ORG</a:t>
             </a:r>
             <a:r>
-              <a:rPr lang="en-US" sz="3200" b="1" dirty="0" smtClean="0">
+              <a:rPr lang="en-US" sz="3200" b="1" smtClean="0">
                 <a:solidFill>
                   <a:srgbClr val="FFC000"/>
                 </a:solidFill>
                 <a:cs typeface="Segoe UI Semibold" panose="020B0702040204020203" pitchFamily="34" charset="0"/>
               </a:rPr>
-              <a:t>/WEB</a:t>
+              <a:t>/JS</a:t>
             </a:r>
             <a:endParaRPr lang="en-US" sz="3600" b="1" dirty="0">
               <a:solidFill>

--- a/lesson01.pptx
+++ b/lesson01.pptx
@@ -63,14 +63,14 @@
     <p:sldId id="479" r:id="rId54"/>
     <p:sldId id="489" r:id="rId55"/>
     <p:sldId id="486" r:id="rId56"/>
-    <p:sldId id="367" r:id="rId57"/>
+    <p:sldId id="498" r:id="rId57"/>
     <p:sldId id="392" r:id="rId58"/>
     <p:sldId id="391" r:id="rId59"/>
-    <p:sldId id="389" r:id="rId60"/>
+    <p:sldId id="499" r:id="rId60"/>
     <p:sldId id="400" r:id="rId61"/>
-    <p:sldId id="372" r:id="rId62"/>
+    <p:sldId id="500" r:id="rId62"/>
     <p:sldId id="373" r:id="rId63"/>
-    <p:sldId id="482" r:id="rId64"/>
+    <p:sldId id="501" r:id="rId64"/>
     <p:sldId id="483" r:id="rId65"/>
     <p:sldId id="484" r:id="rId66"/>
     <p:sldId id="497" r:id="rId67"/>
@@ -6000,10 +6000,10 @@
           <a:p>
             <a:pPr algn="ctr"/>
             <a:r>
-              <a:rPr lang="ru-RU" sz="6600" dirty="0" smtClean="0"/>
+              <a:rPr lang="ru-RU" sz="6600" b="1" dirty="0" smtClean="0"/>
               <a:t>Переменные и типы данных</a:t>
             </a:r>
-            <a:endParaRPr lang="uk-UA" sz="6600" dirty="0"/>
+            <a:endParaRPr lang="uk-UA" sz="6600" b="1" dirty="0"/>
           </a:p>
         </p:txBody>
       </p:sp>
@@ -6957,29 +6957,17 @@
           <a:p>
             <a:pPr algn="ctr"/>
             <a:r>
-              <a:rPr lang="ru-RU" sz="6600" dirty="0" smtClean="0"/>
-              <a:t>Операторы</a:t>
-            </a:r>
-            <a:r>
-              <a:rPr lang="ru-RU" sz="6600" dirty="0"/>
-              <a:t>,</a:t>
-            </a:r>
-            <a:r>
-              <a:rPr lang="ru-RU" sz="6600" dirty="0" smtClean="0"/>
-              <a:t> </a:t>
+              <a:rPr lang="ru-RU" sz="6600" b="1" dirty="0" smtClean="0"/>
+              <a:t>Операторы, </a:t>
             </a:r>
             <a:br>
-              <a:rPr lang="ru-RU" sz="6600" dirty="0" smtClean="0"/>
+              <a:rPr lang="ru-RU" sz="6600" b="1" dirty="0" smtClean="0"/>
             </a:br>
             <a:r>
-              <a:rPr lang="ru-RU" sz="6600" dirty="0" smtClean="0"/>
-              <a:t>операнды </a:t>
-            </a:r>
-            <a:r>
-              <a:rPr lang="ru-RU" sz="6600" dirty="0"/>
-              <a:t>и операции</a:t>
-            </a:r>
-            <a:endParaRPr lang="uk-UA" sz="6600" dirty="0"/>
+              <a:rPr lang="ru-RU" sz="6600" b="1" dirty="0" smtClean="0"/>
+              <a:t>операнды и операции</a:t>
+            </a:r>
+            <a:endParaRPr lang="uk-UA" sz="6600" b="1" dirty="0"/>
           </a:p>
         </p:txBody>
       </p:sp>
@@ -8949,10 +8937,10 @@
           <a:p>
             <a:pPr algn="ctr"/>
             <a:r>
-              <a:rPr lang="ru-RU" sz="6000" dirty="0" smtClean="0"/>
+              <a:rPr lang="ru-RU" sz="6000" b="1" dirty="0" smtClean="0"/>
               <a:t>Математические функции</a:t>
             </a:r>
-            <a:endParaRPr lang="uk-UA" sz="6000" dirty="0"/>
+            <a:endParaRPr lang="uk-UA" sz="6000" b="1" dirty="0"/>
           </a:p>
         </p:txBody>
       </p:sp>
@@ -9295,10 +9283,10 @@
           <a:p>
             <a:pPr algn="ctr"/>
             <a:r>
-              <a:rPr lang="ru-RU" sz="6000" dirty="0" smtClean="0"/>
+              <a:rPr lang="ru-RU" sz="6000" b="1" dirty="0" smtClean="0"/>
               <a:t>Округление чисел</a:t>
             </a:r>
-            <a:endParaRPr lang="uk-UA" sz="6000" dirty="0"/>
+            <a:endParaRPr lang="uk-UA" sz="6000" b="1" dirty="0"/>
           </a:p>
         </p:txBody>
       </p:sp>
@@ -10304,22 +10292,22 @@
           <a:p>
             <a:pPr algn="ctr"/>
             <a:r>
-              <a:rPr lang="ru-RU" sz="6000" dirty="0" smtClean="0"/>
+              <a:rPr lang="ru-RU" sz="6000" b="1" dirty="0" smtClean="0"/>
               <a:t>Полезные методы и свойства</a:t>
             </a:r>
-            <a:endParaRPr lang="en-US" sz="6000" dirty="0" smtClean="0"/>
+            <a:endParaRPr lang="en-US" sz="6000" b="1" dirty="0" smtClean="0"/>
           </a:p>
           <a:p>
             <a:pPr algn="ctr"/>
             <a:r>
-              <a:rPr lang="ru-RU" sz="6000" dirty="0" smtClean="0"/>
+              <a:rPr lang="ru-RU" sz="6000" b="1" dirty="0" smtClean="0"/>
               <a:t>объекта </a:t>
             </a:r>
             <a:r>
-              <a:rPr lang="en-US" sz="6000" dirty="0" smtClean="0"/>
+              <a:rPr lang="en-US" sz="6000" b="1" dirty="0" smtClean="0"/>
               <a:t>Number</a:t>
             </a:r>
-            <a:endParaRPr lang="uk-UA" sz="6000" dirty="0"/>
+            <a:endParaRPr lang="uk-UA" sz="6000" b="1" dirty="0"/>
           </a:p>
         </p:txBody>
       </p:sp>
@@ -10867,10 +10855,10 @@
           <a:p>
             <a:pPr algn="ctr"/>
             <a:r>
-              <a:rPr lang="en-US" sz="9600" dirty="0" smtClean="0"/>
+              <a:rPr lang="en-US" sz="9600" b="1" dirty="0" smtClean="0"/>
               <a:t>String</a:t>
             </a:r>
-            <a:endParaRPr lang="uk-UA" sz="9600" dirty="0"/>
+            <a:endParaRPr lang="uk-UA" sz="9600" b="1" dirty="0"/>
           </a:p>
         </p:txBody>
       </p:sp>
@@ -11913,30 +11901,22 @@
           <a:p>
             <a:pPr algn="ctr"/>
             <a:r>
-              <a:rPr lang="ru-RU" sz="6000" dirty="0"/>
-              <a:t>Т</a:t>
-            </a:r>
-            <a:r>
-              <a:rPr lang="ru-RU" sz="6000" dirty="0" smtClean="0"/>
-              <a:t>ип </a:t>
-            </a:r>
-            <a:r>
-              <a:rPr lang="en-US" sz="6000" dirty="0" err="1" smtClean="0"/>
+              <a:rPr lang="ru-RU" sz="6000" b="1" dirty="0" smtClean="0"/>
+              <a:t>Тип </a:t>
+            </a:r>
+            <a:r>
+              <a:rPr lang="en-US" sz="6000" b="1" dirty="0" err="1" smtClean="0"/>
               <a:t>boolean</a:t>
             </a:r>
-            <a:endParaRPr lang="ru-RU" sz="6000" dirty="0" smtClean="0"/>
+            <a:endParaRPr lang="ru-RU" sz="6000" b="1" dirty="0" smtClean="0"/>
           </a:p>
           <a:p>
             <a:pPr algn="ctr"/>
             <a:r>
-              <a:rPr lang="ru-RU" sz="6000" dirty="0" smtClean="0"/>
-              <a:t>и условные </a:t>
-            </a:r>
-            <a:r>
-              <a:rPr lang="ru-RU" sz="6000" dirty="0"/>
-              <a:t>операторы </a:t>
-            </a:r>
-            <a:endParaRPr lang="uk-UA" sz="6000" dirty="0"/>
+              <a:rPr lang="ru-RU" sz="6000" b="1" dirty="0" smtClean="0"/>
+              <a:t>и условные операторы </a:t>
+            </a:r>
+            <a:endParaRPr lang="uk-UA" sz="6000" b="1" dirty="0"/>
           </a:p>
         </p:txBody>
       </p:sp>
@@ -17379,18 +17359,18 @@
           <a:p>
             <a:pPr algn="ctr"/>
             <a:r>
-              <a:rPr lang="ru-RU" sz="6000" dirty="0" smtClean="0"/>
+              <a:rPr lang="ru-RU" sz="6000" b="1" dirty="0" smtClean="0"/>
               <a:t>Немного практики </a:t>
             </a:r>
             <a:r>
-              <a:rPr lang="en-US" sz="6000" dirty="0" smtClean="0"/>
+              <a:rPr lang="en-US" sz="6000" b="1" dirty="0" smtClean="0"/>
               <a:t>#</a:t>
             </a:r>
             <a:r>
-              <a:rPr lang="ru-RU" sz="6000" dirty="0" smtClean="0"/>
+              <a:rPr lang="ru-RU" sz="6000" b="1" dirty="0" smtClean="0"/>
               <a:t>1</a:t>
             </a:r>
-            <a:endParaRPr lang="en-US" sz="6000" dirty="0" smtClean="0"/>
+            <a:endParaRPr lang="en-US" sz="6000" b="1" dirty="0" smtClean="0"/>
           </a:p>
         </p:txBody>
       </p:sp>
@@ -17628,18 +17608,18 @@
           <a:p>
             <a:pPr algn="ctr"/>
             <a:r>
-              <a:rPr lang="ru-RU" sz="6000" dirty="0" smtClean="0"/>
+              <a:rPr lang="ru-RU" sz="6000" b="1" dirty="0" smtClean="0"/>
               <a:t>Немного практики </a:t>
             </a:r>
             <a:r>
-              <a:rPr lang="en-US" sz="6000" dirty="0" smtClean="0"/>
+              <a:rPr lang="en-US" sz="6000" b="1" dirty="0" smtClean="0"/>
               <a:t>#</a:t>
             </a:r>
             <a:r>
-              <a:rPr lang="ru-RU" sz="6000" dirty="0" smtClean="0"/>
+              <a:rPr lang="ru-RU" sz="6000" b="1" dirty="0" smtClean="0"/>
               <a:t>2</a:t>
             </a:r>
-            <a:endParaRPr lang="en-US" sz="6000" dirty="0" smtClean="0"/>
+            <a:endParaRPr lang="en-US" sz="6000" b="1" dirty="0" smtClean="0"/>
           </a:p>
         </p:txBody>
       </p:sp>
@@ -18145,11 +18125,11 @@
           <a:p>
             <a:pPr algn="ctr"/>
             <a:r>
-              <a:rPr lang="ru-RU" sz="6000" dirty="0" smtClean="0"/>
+              <a:rPr lang="ru-RU" sz="6000" b="1" dirty="0" smtClean="0"/>
               <a:t>Немного практики </a:t>
             </a:r>
             <a:r>
-              <a:rPr lang="en-US" sz="6000" dirty="0" smtClean="0"/>
+              <a:rPr lang="en-US" sz="6000" b="1" dirty="0" smtClean="0"/>
               <a:t>#3</a:t>
             </a:r>
           </a:p>
@@ -18348,7 +18328,7 @@
             <a:avLst/>
           </a:prstGeom>
           <a:solidFill>
-            <a:srgbClr val="157000"/>
+            <a:srgbClr val="002060"/>
           </a:solidFill>
         </p:spPr>
         <p:style>
@@ -18373,25 +18353,17 @@
           <a:p>
             <a:pPr algn="ctr"/>
             <a:r>
-              <a:rPr lang="ru-RU" sz="8000" dirty="0" smtClean="0"/>
-              <a:t>«Источник</a:t>
-            </a:r>
-            <a:r>
-              <a:rPr lang="ru-RU" sz="8000" dirty="0"/>
-              <a:t>и</a:t>
-            </a:r>
-            <a:r>
-              <a:rPr lang="ru-RU" sz="8000" dirty="0" smtClean="0"/>
-              <a:t> знаний»</a:t>
-            </a:r>
-            <a:endParaRPr lang="uk-UA" sz="8000" dirty="0"/>
+              <a:rPr lang="ru-RU" sz="8800" dirty="0"/>
+              <a:t>«Источники знаний»</a:t>
+            </a:r>
+            <a:endParaRPr lang="uk-UA" sz="8800" dirty="0"/>
           </a:p>
         </p:txBody>
       </p:sp>
     </p:spTree>
     <p:extLst>
       <p:ext uri="{BB962C8B-B14F-4D97-AF65-F5344CB8AC3E}">
-        <p14:creationId xmlns:p14="http://schemas.microsoft.com/office/powerpoint/2010/main" val="418796668"/>
+        <p14:creationId xmlns:p14="http://schemas.microsoft.com/office/powerpoint/2010/main" val="2666291732"/>
       </p:ext>
     </p:extLst>
   </p:cSld>
@@ -18715,7 +18687,7 @@
             <a:avLst/>
           </a:prstGeom>
           <a:solidFill>
-            <a:srgbClr val="7030A0"/>
+            <a:srgbClr val="002060"/>
           </a:solidFill>
         </p:spPr>
         <p:style>
@@ -18740,7 +18712,7 @@
           <a:p>
             <a:pPr algn="ctr"/>
             <a:r>
-              <a:rPr lang="ru-RU" sz="6000" dirty="0" smtClean="0"/>
+              <a:rPr lang="ru-RU" sz="6000" dirty="0"/>
               <a:t>К следующему занятию будет полезно почитать о…</a:t>
             </a:r>
             <a:endParaRPr lang="uk-UA" sz="6000" dirty="0"/>
@@ -18750,7 +18722,7 @@
     </p:spTree>
     <p:extLst>
       <p:ext uri="{BB962C8B-B14F-4D97-AF65-F5344CB8AC3E}">
-        <p14:creationId xmlns:p14="http://schemas.microsoft.com/office/powerpoint/2010/main" val="4240551194"/>
+        <p14:creationId xmlns:p14="http://schemas.microsoft.com/office/powerpoint/2010/main" val="2707669526"/>
       </p:ext>
     </p:extLst>
   </p:cSld>
@@ -19651,7 +19623,7 @@
             <a:avLst/>
           </a:prstGeom>
           <a:solidFill>
-            <a:srgbClr val="7030A0"/>
+            <a:srgbClr val="002060"/>
           </a:solidFill>
         </p:spPr>
         <p:style>
@@ -19676,38 +19648,50 @@
           <a:p>
             <a:pPr algn="ctr"/>
             <a:r>
+              <a:rPr lang="ru-RU" sz="6000" dirty="0"/>
+              <a:t>Скучное но </a:t>
+            </a:r>
+            <a:r>
+              <a:rPr lang="ru-RU" sz="6000" b="1" dirty="0"/>
+              <a:t>необходимое</a:t>
+            </a:r>
+            <a:r>
+              <a:rPr lang="ru-RU" sz="6000" dirty="0"/>
+              <a:t> </a:t>
+            </a:r>
+            <a:br>
+              <a:rPr lang="ru-RU" sz="6000" dirty="0"/>
+            </a:br>
+            <a:r>
+              <a:rPr lang="ru-RU" sz="6000" b="1" dirty="0">
+                <a:solidFill>
+                  <a:srgbClr val="FFC000"/>
+                </a:solidFill>
+              </a:rPr>
+              <a:t>домашнее задание</a:t>
+            </a:r>
+            <a:r>
+              <a:rPr lang="en-US" sz="6000" b="1" dirty="0">
+                <a:solidFill>
+                  <a:srgbClr val="FFC000"/>
+                </a:solidFill>
+              </a:rPr>
+              <a:t> </a:t>
+            </a:r>
+            <a:r>
+              <a:rPr lang="ru-RU" sz="6000" dirty="0"/>
+              <a:t/>
+            </a:r>
+            <a:br>
+              <a:rPr lang="ru-RU" sz="6000" dirty="0"/>
+            </a:br>
+            <a:r>
+              <a:rPr lang="ru-RU" sz="6000" dirty="0"/>
+              <a:t>для </a:t>
+            </a:r>
+            <a:r>
               <a:rPr lang="ru-RU" sz="6000" dirty="0" smtClean="0"/>
-              <a:t>Скучное но </a:t>
-            </a:r>
-            <a:r>
-              <a:rPr lang="ru-RU" sz="6000" b="1" dirty="0" smtClean="0"/>
-              <a:t>необходимое</a:t>
-            </a:r>
-            <a:r>
-              <a:rPr lang="ru-RU" sz="6000" dirty="0" smtClean="0"/>
-              <a:t> </a:t>
-            </a:r>
-            <a:br>
-              <a:rPr lang="ru-RU" sz="6000" dirty="0" smtClean="0"/>
-            </a:br>
-            <a:r>
-              <a:rPr lang="ru-RU" sz="6000" dirty="0" smtClean="0"/>
-              <a:t>домашнее задание</a:t>
-            </a:r>
-            <a:r>
-              <a:rPr lang="en-US" sz="6000" dirty="0" smtClean="0"/>
-              <a:t> </a:t>
-            </a:r>
-            <a:r>
-              <a:rPr lang="ru-RU" sz="6000" dirty="0" smtClean="0"/>
-              <a:t/>
-            </a:r>
-            <a:br>
-              <a:rPr lang="ru-RU" sz="6000" dirty="0" smtClean="0"/>
-            </a:br>
-            <a:r>
-              <a:rPr lang="ru-RU" sz="6000" dirty="0" smtClean="0"/>
-              <a:t>для тренировки</a:t>
+              <a:t>тренировки</a:t>
             </a:r>
             <a:endParaRPr lang="uk-UA" sz="6000" dirty="0"/>
           </a:p>
@@ -19716,7 +19700,7 @@
     </p:spTree>
     <p:extLst>
       <p:ext uri="{BB962C8B-B14F-4D97-AF65-F5344CB8AC3E}">
-        <p14:creationId xmlns:p14="http://schemas.microsoft.com/office/powerpoint/2010/main" val="4104112042"/>
+        <p14:creationId xmlns:p14="http://schemas.microsoft.com/office/powerpoint/2010/main" val="1516351510"/>
       </p:ext>
     </p:extLst>
   </p:cSld>
@@ -20061,7 +20045,19 @@
             <a:pPr algn="ctr"/>
             <a:r>
               <a:rPr lang="ru-RU" sz="3600" b="1" dirty="0" smtClean="0"/>
-              <a:t>Домашнее задание</a:t>
+              <a:t>Домашнее </a:t>
+            </a:r>
+            <a:r>
+              <a:rPr lang="ru-RU" sz="3600" b="1" dirty="0" smtClean="0"/>
+              <a:t>задание</a:t>
+            </a:r>
+            <a:r>
+              <a:rPr lang="en-US" sz="3600" b="1" dirty="0" smtClean="0"/>
+              <a:t> | </a:t>
+            </a:r>
+            <a:r>
+              <a:rPr lang="ru-RU" sz="3600" b="1" dirty="0" smtClean="0"/>
+              <a:t>Тренировочное</a:t>
             </a:r>
             <a:endParaRPr lang="ru-RU" sz="3600" b="1" dirty="0"/>
           </a:p>
@@ -20119,7 +20115,7 @@
             <a:avLst/>
           </a:prstGeom>
           <a:solidFill>
-            <a:srgbClr val="7030A0"/>
+            <a:srgbClr val="002060"/>
           </a:solidFill>
         </p:spPr>
         <p:style>
@@ -20144,24 +20140,32 @@
           <a:p>
             <a:pPr algn="ctr"/>
             <a:r>
-              <a:rPr lang="ru-RU" sz="6000" dirty="0" smtClean="0"/>
+              <a:rPr lang="ru-RU" sz="6000" b="1" dirty="0">
+                <a:solidFill>
+                  <a:srgbClr val="FFC000"/>
+                </a:solidFill>
+              </a:rPr>
               <a:t>Домашнее задание </a:t>
             </a:r>
           </a:p>
           <a:p>
             <a:pPr algn="ctr"/>
             <a:r>
-              <a:rPr lang="ru-RU" sz="6000" dirty="0" smtClean="0"/>
-              <a:t>/сделать</a:t>
-            </a:r>
-            <a:endParaRPr lang="uk-UA" sz="6000" dirty="0"/>
+              <a:rPr lang="ru-RU" sz="6000" b="1" dirty="0"/>
+              <a:t>/</a:t>
+            </a:r>
+            <a:r>
+              <a:rPr lang="ru-RU" sz="6000" b="1" dirty="0" smtClean="0"/>
+              <a:t>сделать</a:t>
+            </a:r>
+            <a:endParaRPr lang="uk-UA" sz="6000" b="1" dirty="0"/>
           </a:p>
         </p:txBody>
       </p:sp>
     </p:spTree>
     <p:extLst>
       <p:ext uri="{BB962C8B-B14F-4D97-AF65-F5344CB8AC3E}">
-        <p14:creationId xmlns:p14="http://schemas.microsoft.com/office/powerpoint/2010/main" val="1303080860"/>
+        <p14:creationId xmlns:p14="http://schemas.microsoft.com/office/powerpoint/2010/main" val="1005116495"/>
       </p:ext>
     </p:extLst>
   </p:cSld>
@@ -21137,10 +21141,10 @@
           <a:p>
             <a:pPr algn="ctr"/>
             <a:r>
-              <a:rPr lang="ru-RU" sz="6000" dirty="0" smtClean="0"/>
+              <a:rPr lang="ru-RU" sz="8000" b="1" dirty="0" smtClean="0"/>
               <a:t>Не забудьте</a:t>
             </a:r>
-            <a:endParaRPr lang="en-US" sz="6000" dirty="0" smtClean="0"/>
+            <a:endParaRPr lang="en-US" sz="8000" b="1" dirty="0" smtClean="0"/>
           </a:p>
         </p:txBody>
       </p:sp>
